--- a/Analisis/Recursos/Capitulo5/Etapas.pptx
+++ b/Analisis/Recursos/Capitulo5/Etapas.pptx
@@ -1018,10 +1018,10 @@
         <a:lstStyle/>
         <a:p>
           <a:r>
-            <a:rPr lang="es-ES" sz="3600" b="0" u="none" dirty="0">
+            <a:rPr lang="es-ES" sz="4000" b="0" u="none" dirty="0">
               <a:latin typeface="Garamond" panose="02020404030301010803" pitchFamily="18" charset="0"/>
             </a:rPr>
-            <a:t>Recolección de noticias</a:t>
+            <a:t>Recolección</a:t>
           </a:r>
         </a:p>
       </dgm:t>
@@ -1060,10 +1060,10 @@
         <a:lstStyle/>
         <a:p>
           <a:r>
-            <a:rPr lang="es-ES" sz="3600" b="0" u="none" dirty="0">
+            <a:rPr lang="es-ES" sz="3900" b="0" u="none" dirty="0">
               <a:latin typeface="Garamond" panose="02020404030301010803" pitchFamily="18" charset="0"/>
             </a:rPr>
-            <a:t>Entrenamiento de clasificador</a:t>
+            <a:t>Entrenamiento</a:t>
           </a:r>
         </a:p>
       </dgm:t>
@@ -1102,13 +1102,16 @@
         <a:lstStyle/>
         <a:p>
           <a:r>
-            <a:rPr lang="es-ES" sz="3600" b="0" u="none" dirty="0">
+            <a:rPr lang="es-ES" sz="4000" b="0" u="none" dirty="0">
               <a:solidFill>
-                <a:schemeClr val="tx1"/>
+                <a:schemeClr val="tx1">
+                  <a:lumMod val="85000"/>
+                  <a:lumOff val="15000"/>
+                </a:schemeClr>
               </a:solidFill>
               <a:latin typeface="Garamond" panose="02020404030301010803" pitchFamily="18" charset="0"/>
             </a:rPr>
-            <a:t>Desarrollo de aplicación web</a:t>
+            <a:t>Aplicación web</a:t>
           </a:r>
         </a:p>
       </dgm:t>
@@ -1150,7 +1153,22 @@
         <a:prstGeom prst="rightArrow">
           <a:avLst/>
         </a:prstGeom>
-        <a:ln cmpd="sng"/>
+        <a:solidFill>
+          <a:schemeClr val="accent5">
+            <a:tint val="40000"/>
+            <a:hueOff val="0"/>
+            <a:satOff val="0"/>
+            <a:lumOff val="0"/>
+            <a:alpha val="72000"/>
+          </a:schemeClr>
+        </a:solidFill>
+        <a:ln cmpd="sng">
+          <a:solidFill>
+            <a:scrgbClr r="0" g="0" b="0">
+              <a:alpha val="74000"/>
+            </a:scrgbClr>
+          </a:solidFill>
+        </a:ln>
       </dgm:spPr>
     </dgm:pt>
     <dgm:pt modelId="{A9B17BE3-8126-2148-B9FC-C81389277F18}" type="pres">
@@ -1230,7 +1248,7 @@
       <dgm:spPr/>
     </dgm:pt>
     <dgm:pt modelId="{14151FD9-1EBB-FA43-A9F1-3AD906064C86}" type="pres">
-      <dgm:prSet presAssocID="{CB7DFF7A-8F15-4F4D-9B77-00790C86859D}" presName="bkgdShape" presStyleLbl="node1" presStyleIdx="2" presStyleCnt="3"/>
+      <dgm:prSet presAssocID="{CB7DFF7A-8F15-4F4D-9B77-00790C86859D}" presName="bkgdShape" presStyleLbl="node1" presStyleIdx="2" presStyleCnt="3" custLinFactNeighborY="-353"/>
       <dgm:spPr/>
     </dgm:pt>
     <dgm:pt modelId="{6DB4DF5F-827E-344D-9B85-6EA0022B608D}" type="pres">
@@ -1315,7 +1333,7 @@
       <dsp:spPr>
         <a:xfrm>
           <a:off x="0" y="0"/>
-          <a:ext cx="3225208" cy="4353351"/>
+          <a:ext cx="3489441" cy="4046353"/>
         </a:xfrm>
         <a:prstGeom prst="roundRect">
           <a:avLst>
@@ -1354,12 +1372,12 @@
         </a:fontRef>
       </dsp:style>
       <dsp:txBody>
-        <a:bodyPr spcFirstLastPara="0" vert="horz" wrap="square" lIns="256032" tIns="256032" rIns="256032" bIns="256032" numCol="1" spcCol="1270" anchor="ctr" anchorCtr="0">
+        <a:bodyPr spcFirstLastPara="0" vert="horz" wrap="square" lIns="284480" tIns="284480" rIns="284480" bIns="284480" numCol="1" spcCol="1270" anchor="ctr" anchorCtr="0">
           <a:noAutofit/>
         </a:bodyPr>
         <a:lstStyle/>
         <a:p>
-          <a:pPr marL="0" lvl="0" indent="0" algn="ctr" defTabSz="1600200">
+          <a:pPr marL="0" lvl="0" indent="0" algn="ctr" defTabSz="1778000">
             <a:lnSpc>
               <a:spcPct val="90000"/>
             </a:lnSpc>
@@ -1372,16 +1390,16 @@
             <a:buNone/>
           </a:pPr>
           <a:r>
-            <a:rPr lang="es-ES" sz="3600" b="0" u="none" kern="1200" dirty="0">
+            <a:rPr lang="es-ES" sz="4000" b="0" u="none" kern="1200" dirty="0">
               <a:latin typeface="Garamond" panose="02020404030301010803" pitchFamily="18" charset="0"/>
             </a:rPr>
-            <a:t>Recolección de noticias</a:t>
+            <a:t>Recolección</a:t>
           </a:r>
         </a:p>
       </dsp:txBody>
       <dsp:txXfrm>
-        <a:off x="0" y="1741340"/>
-        <a:ext cx="3225208" cy="1741340"/>
+        <a:off x="0" y="1618541"/>
+        <a:ext cx="3489441" cy="1618541"/>
       </dsp:txXfrm>
     </dsp:sp>
     <dsp:sp modelId="{F8AE2E85-5455-DD43-B232-2F3AEE377A8D}">
@@ -1391,8 +1409,8 @@
       </dsp:nvSpPr>
       <dsp:spPr>
         <a:xfrm>
-          <a:off x="889844" y="261201"/>
-          <a:ext cx="1449665" cy="1449665"/>
+          <a:off x="1073246" y="242781"/>
+          <a:ext cx="1347435" cy="1347435"/>
         </a:xfrm>
         <a:prstGeom prst="ellipse">
           <a:avLst/>
@@ -1436,8 +1454,8 @@
       </dsp:nvSpPr>
       <dsp:spPr>
         <a:xfrm>
-          <a:off x="3324038" y="0"/>
-          <a:ext cx="3225208" cy="4353351"/>
+          <a:off x="3596368" y="0"/>
+          <a:ext cx="3489441" cy="4046353"/>
         </a:xfrm>
         <a:prstGeom prst="roundRect">
           <a:avLst>
@@ -1476,12 +1494,12 @@
         </a:fontRef>
       </dsp:style>
       <dsp:txBody>
-        <a:bodyPr spcFirstLastPara="0" vert="horz" wrap="square" lIns="256032" tIns="256032" rIns="256032" bIns="256032" numCol="1" spcCol="1270" anchor="ctr" anchorCtr="0">
+        <a:bodyPr spcFirstLastPara="0" vert="horz" wrap="square" lIns="277368" tIns="277368" rIns="277368" bIns="277368" numCol="1" spcCol="1270" anchor="ctr" anchorCtr="0">
           <a:noAutofit/>
         </a:bodyPr>
         <a:lstStyle/>
         <a:p>
-          <a:pPr marL="0" lvl="0" indent="0" algn="ctr" defTabSz="1600200">
+          <a:pPr marL="0" lvl="0" indent="0" algn="ctr" defTabSz="1733550">
             <a:lnSpc>
               <a:spcPct val="90000"/>
             </a:lnSpc>
@@ -1494,16 +1512,16 @@
             <a:buNone/>
           </a:pPr>
           <a:r>
-            <a:rPr lang="es-ES" sz="3600" b="0" u="none" kern="1200" dirty="0">
+            <a:rPr lang="es-ES" sz="3900" b="0" u="none" kern="1200" dirty="0">
               <a:latin typeface="Garamond" panose="02020404030301010803" pitchFamily="18" charset="0"/>
             </a:rPr>
-            <a:t>Entrenamiento de clasificador</a:t>
+            <a:t>Entrenamiento</a:t>
           </a:r>
         </a:p>
       </dsp:txBody>
       <dsp:txXfrm>
-        <a:off x="3324038" y="1741340"/>
-        <a:ext cx="3225208" cy="1741340"/>
+        <a:off x="3596368" y="1618541"/>
+        <a:ext cx="3489441" cy="1618541"/>
       </dsp:txXfrm>
     </dsp:sp>
     <dsp:sp modelId="{E5FD9C74-7C0C-2442-882C-3D68A439CC3E}">
@@ -1513,8 +1531,8 @@
       </dsp:nvSpPr>
       <dsp:spPr>
         <a:xfrm>
-          <a:off x="4211809" y="261201"/>
-          <a:ext cx="1449665" cy="1449665"/>
+          <a:off x="4667371" y="242781"/>
+          <a:ext cx="1347435" cy="1347435"/>
         </a:xfrm>
         <a:prstGeom prst="ellipse">
           <a:avLst/>
@@ -1558,8 +1576,8 @@
       </dsp:nvSpPr>
       <dsp:spPr>
         <a:xfrm>
-          <a:off x="6646003" y="0"/>
-          <a:ext cx="3225208" cy="4353351"/>
+          <a:off x="7190493" y="0"/>
+          <a:ext cx="3489441" cy="4046353"/>
         </a:xfrm>
         <a:prstGeom prst="roundRect">
           <a:avLst>
@@ -1598,12 +1616,12 @@
         </a:fontRef>
       </dsp:style>
       <dsp:txBody>
-        <a:bodyPr spcFirstLastPara="0" vert="horz" wrap="square" lIns="256032" tIns="256032" rIns="256032" bIns="256032" numCol="1" spcCol="1270" anchor="ctr" anchorCtr="0">
+        <a:bodyPr spcFirstLastPara="0" vert="horz" wrap="square" lIns="284480" tIns="284480" rIns="284480" bIns="284480" numCol="1" spcCol="1270" anchor="ctr" anchorCtr="0">
           <a:noAutofit/>
         </a:bodyPr>
         <a:lstStyle/>
         <a:p>
-          <a:pPr marL="0" lvl="0" indent="0" algn="ctr" defTabSz="1600200">
+          <a:pPr marL="0" lvl="0" indent="0" algn="ctr" defTabSz="1778000">
             <a:lnSpc>
               <a:spcPct val="90000"/>
             </a:lnSpc>
@@ -1616,19 +1634,22 @@
             <a:buNone/>
           </a:pPr>
           <a:r>
-            <a:rPr lang="es-ES" sz="3600" b="0" u="none" kern="1200" dirty="0">
+            <a:rPr lang="es-ES" sz="4000" b="0" u="none" kern="1200" dirty="0">
               <a:solidFill>
-                <a:schemeClr val="tx1"/>
+                <a:schemeClr val="tx1">
+                  <a:lumMod val="85000"/>
+                  <a:lumOff val="15000"/>
+                </a:schemeClr>
               </a:solidFill>
               <a:latin typeface="Garamond" panose="02020404030301010803" pitchFamily="18" charset="0"/>
             </a:rPr>
-            <a:t>Desarrollo de aplicación web</a:t>
+            <a:t>Aplicación web</a:t>
           </a:r>
         </a:p>
       </dsp:txBody>
       <dsp:txXfrm>
-        <a:off x="6646003" y="1741340"/>
-        <a:ext cx="3225208" cy="1741340"/>
+        <a:off x="7190493" y="1618541"/>
+        <a:ext cx="3489441" cy="1618541"/>
       </dsp:txXfrm>
     </dsp:sp>
     <dsp:sp modelId="{4B3B792D-2B8C-CA47-B567-74F89BE102EF}">
@@ -1638,8 +1659,8 @@
       </dsp:nvSpPr>
       <dsp:spPr>
         <a:xfrm>
-          <a:off x="7533774" y="261201"/>
-          <a:ext cx="1449665" cy="1449665"/>
+          <a:off x="8261496" y="242781"/>
+          <a:ext cx="1347435" cy="1347435"/>
         </a:xfrm>
         <a:prstGeom prst="ellipse">
           <a:avLst/>
@@ -1683,8 +1704,8 @@
       </dsp:nvSpPr>
       <dsp:spPr>
         <a:xfrm>
-          <a:off x="394931" y="3482680"/>
-          <a:ext cx="9083422" cy="653002"/>
+          <a:off x="427287" y="3237082"/>
+          <a:ext cx="9827603" cy="606952"/>
         </a:xfrm>
         <a:prstGeom prst="rightArrow">
           <a:avLst/>
@@ -1695,12 +1716,14 @@
             <a:hueOff val="0"/>
             <a:satOff val="0"/>
             <a:lumOff val="0"/>
-            <a:alphaOff val="0"/>
+            <a:alpha val="72000"/>
           </a:schemeClr>
         </a:solidFill>
         <a:ln w="12700" cap="flat" cmpd="sng" algn="ctr">
           <a:solidFill>
-            <a:scrgbClr r="0" g="0" b="0"/>
+            <a:scrgbClr r="0" g="0" b="0">
+              <a:alpha val="74000"/>
+            </a:scrgbClr>
           </a:solidFill>
           <a:prstDash val="solid"/>
           <a:miter lim="800000"/>
@@ -3102,7 +3125,7 @@
           <a:p>
             <a:fld id="{64335DFB-502B-0D44-AC3E-5552C11BB471}" type="datetimeFigureOut">
               <a:rPr lang="es-MX" smtClean="0"/>
-              <a:t>29/10/19</a:t>
+              <a:t>15/11/19</a:t>
             </a:fld>
             <a:endParaRPr lang="es-MX"/>
           </a:p>
@@ -3302,7 +3325,7 @@
           <a:p>
             <a:fld id="{64335DFB-502B-0D44-AC3E-5552C11BB471}" type="datetimeFigureOut">
               <a:rPr lang="es-MX" smtClean="0"/>
-              <a:t>29/10/19</a:t>
+              <a:t>15/11/19</a:t>
             </a:fld>
             <a:endParaRPr lang="es-MX"/>
           </a:p>
@@ -3512,7 +3535,7 @@
           <a:p>
             <a:fld id="{64335DFB-502B-0D44-AC3E-5552C11BB471}" type="datetimeFigureOut">
               <a:rPr lang="es-MX" smtClean="0"/>
-              <a:t>29/10/19</a:t>
+              <a:t>15/11/19</a:t>
             </a:fld>
             <a:endParaRPr lang="es-MX"/>
           </a:p>
@@ -3712,7 +3735,7 @@
           <a:p>
             <a:fld id="{64335DFB-502B-0D44-AC3E-5552C11BB471}" type="datetimeFigureOut">
               <a:rPr lang="es-MX" smtClean="0"/>
-              <a:t>29/10/19</a:t>
+              <a:t>15/11/19</a:t>
             </a:fld>
             <a:endParaRPr lang="es-MX"/>
           </a:p>
@@ -3988,7 +4011,7 @@
           <a:p>
             <a:fld id="{64335DFB-502B-0D44-AC3E-5552C11BB471}" type="datetimeFigureOut">
               <a:rPr lang="es-MX" smtClean="0"/>
-              <a:t>29/10/19</a:t>
+              <a:t>15/11/19</a:t>
             </a:fld>
             <a:endParaRPr lang="es-MX"/>
           </a:p>
@@ -4256,7 +4279,7 @@
           <a:p>
             <a:fld id="{64335DFB-502B-0D44-AC3E-5552C11BB471}" type="datetimeFigureOut">
               <a:rPr lang="es-MX" smtClean="0"/>
-              <a:t>29/10/19</a:t>
+              <a:t>15/11/19</a:t>
             </a:fld>
             <a:endParaRPr lang="es-MX"/>
           </a:p>
@@ -4671,7 +4694,7 @@
           <a:p>
             <a:fld id="{64335DFB-502B-0D44-AC3E-5552C11BB471}" type="datetimeFigureOut">
               <a:rPr lang="es-MX" smtClean="0"/>
-              <a:t>29/10/19</a:t>
+              <a:t>15/11/19</a:t>
             </a:fld>
             <a:endParaRPr lang="es-MX"/>
           </a:p>
@@ -4813,7 +4836,7 @@
           <a:p>
             <a:fld id="{64335DFB-502B-0D44-AC3E-5552C11BB471}" type="datetimeFigureOut">
               <a:rPr lang="es-MX" smtClean="0"/>
-              <a:t>29/10/19</a:t>
+              <a:t>15/11/19</a:t>
             </a:fld>
             <a:endParaRPr lang="es-MX"/>
           </a:p>
@@ -4926,7 +4949,7 @@
           <a:p>
             <a:fld id="{64335DFB-502B-0D44-AC3E-5552C11BB471}" type="datetimeFigureOut">
               <a:rPr lang="es-MX" smtClean="0"/>
-              <a:t>29/10/19</a:t>
+              <a:t>15/11/19</a:t>
             </a:fld>
             <a:endParaRPr lang="es-MX"/>
           </a:p>
@@ -5239,7 +5262,7 @@
           <a:p>
             <a:fld id="{64335DFB-502B-0D44-AC3E-5552C11BB471}" type="datetimeFigureOut">
               <a:rPr lang="es-MX" smtClean="0"/>
-              <a:t>29/10/19</a:t>
+              <a:t>15/11/19</a:t>
             </a:fld>
             <a:endParaRPr lang="es-MX"/>
           </a:p>
@@ -5528,7 +5551,7 @@
           <a:p>
             <a:fld id="{64335DFB-502B-0D44-AC3E-5552C11BB471}" type="datetimeFigureOut">
               <a:rPr lang="es-MX" smtClean="0"/>
-              <a:t>29/10/19</a:t>
+              <a:t>15/11/19</a:t>
             </a:fld>
             <a:endParaRPr lang="es-MX"/>
           </a:p>
@@ -5771,7 +5794,7 @@
           <a:p>
             <a:fld id="{64335DFB-502B-0D44-AC3E-5552C11BB471}" type="datetimeFigureOut">
               <a:rPr lang="es-MX" smtClean="0"/>
-              <a:t>29/10/19</a:t>
+              <a:t>15/11/19</a:t>
             </a:fld>
             <a:endParaRPr lang="es-MX"/>
           </a:p>
@@ -6201,14 +6224,14 @@
           <p:nvPr>
             <p:extLst>
               <p:ext uri="{D42A27DB-BD31-4B8C-83A1-F6EECF244321}">
-                <p14:modId xmlns:p14="http://schemas.microsoft.com/office/powerpoint/2010/main" val="679968240"/>
+                <p14:modId xmlns:p14="http://schemas.microsoft.com/office/powerpoint/2010/main" val="1700503776"/>
               </p:ext>
             </p:extLst>
           </p:nvPr>
         </p:nvGraphicFramePr>
         <p:xfrm>
-          <a:off x="1205022" y="839972"/>
-          <a:ext cx="9873285" cy="4353351"/>
+          <a:off x="762108" y="839972"/>
+          <a:ext cx="10682178" cy="4046353"/>
         </p:xfrm>
         <a:graphic>
           <a:graphicData uri="http://schemas.openxmlformats.org/drawingml/2006/diagram">
@@ -6230,7 +6253,7 @@
         </p:nvSpPr>
         <p:spPr>
           <a:xfrm>
-            <a:off x="1977657" y="999457"/>
+            <a:off x="1706190" y="885153"/>
             <a:ext cx="1637414" cy="1687890"/>
           </a:xfrm>
           <a:prstGeom prst="ellipse">
@@ -6264,6 +6287,12 @@
             <a:pPr algn="ctr"/>
             <a:r>
               <a:rPr lang="en-US" sz="7200" dirty="0">
+                <a:solidFill>
+                  <a:schemeClr val="tx1">
+                    <a:lumMod val="85000"/>
+                    <a:lumOff val="15000"/>
+                  </a:schemeClr>
+                </a:solidFill>
                 <a:latin typeface="Garamond" panose="02020404030301010803" pitchFamily="18" charset="0"/>
               </a:rPr>
               <a:t>1</a:t>
@@ -6285,7 +6314,7 @@
         </p:nvSpPr>
         <p:spPr>
           <a:xfrm>
-            <a:off x="5277293" y="999457"/>
+            <a:off x="5305869" y="885153"/>
             <a:ext cx="1637414" cy="1687890"/>
           </a:xfrm>
           <a:prstGeom prst="ellipse">
@@ -6319,6 +6348,12 @@
             <a:pPr algn="ctr"/>
             <a:r>
               <a:rPr lang="en-US" sz="7200" dirty="0">
+                <a:solidFill>
+                  <a:schemeClr val="tx1">
+                    <a:lumMod val="85000"/>
+                    <a:lumOff val="15000"/>
+                  </a:schemeClr>
+                </a:solidFill>
                 <a:latin typeface="Garamond" panose="02020404030301010803" pitchFamily="18" charset="0"/>
               </a:rPr>
               <a:t>2</a:t>
@@ -6340,7 +6375,7 @@
         </p:nvSpPr>
         <p:spPr>
           <a:xfrm>
-            <a:off x="8576929" y="999457"/>
+            <a:off x="8905545" y="885153"/>
             <a:ext cx="1637414" cy="1687890"/>
           </a:xfrm>
           <a:prstGeom prst="ellipse">
@@ -6374,6 +6409,12 @@
             <a:pPr algn="ctr"/>
             <a:r>
               <a:rPr lang="en-US" sz="7200" dirty="0">
+                <a:solidFill>
+                  <a:schemeClr val="tx1">
+                    <a:lumMod val="85000"/>
+                    <a:lumOff val="15000"/>
+                  </a:schemeClr>
+                </a:solidFill>
                 <a:latin typeface="Garamond" panose="02020404030301010803" pitchFamily="18" charset="0"/>
               </a:rPr>
               <a:t>3</a:t>
